--- a/protocole/Présentation1.pptx
+++ b/protocole/Présentation1.pptx
@@ -372,7 +372,7 @@
           <a:p>
             <a:fld id="{CF7E9C1A-9F4A-4D57-BAB5-D14A8F127F4D}" type="datetimeFigureOut">
               <a:rPr lang="fr-FR" smtClean="0"/>
-              <a:t>24/05/2024</a:t>
+              <a:t>28/05/2024</a:t>
             </a:fld>
             <a:endParaRPr lang="fr-FR"/>
           </a:p>
@@ -570,7 +570,7 @@
           <a:p>
             <a:fld id="{CF7E9C1A-9F4A-4D57-BAB5-D14A8F127F4D}" type="datetimeFigureOut">
               <a:rPr lang="fr-FR" smtClean="0"/>
-              <a:t>24/05/2024</a:t>
+              <a:t>28/05/2024</a:t>
             </a:fld>
             <a:endParaRPr lang="fr-FR"/>
           </a:p>
@@ -778,7 +778,7 @@
           <a:p>
             <a:fld id="{CF7E9C1A-9F4A-4D57-BAB5-D14A8F127F4D}" type="datetimeFigureOut">
               <a:rPr lang="fr-FR" smtClean="0"/>
-              <a:t>24/05/2024</a:t>
+              <a:t>28/05/2024</a:t>
             </a:fld>
             <a:endParaRPr lang="fr-FR"/>
           </a:p>
@@ -976,7 +976,7 @@
           <a:p>
             <a:fld id="{CF7E9C1A-9F4A-4D57-BAB5-D14A8F127F4D}" type="datetimeFigureOut">
               <a:rPr lang="fr-FR" smtClean="0"/>
-              <a:t>24/05/2024</a:t>
+              <a:t>28/05/2024</a:t>
             </a:fld>
             <a:endParaRPr lang="fr-FR"/>
           </a:p>
@@ -1251,7 +1251,7 @@
           <a:p>
             <a:fld id="{CF7E9C1A-9F4A-4D57-BAB5-D14A8F127F4D}" type="datetimeFigureOut">
               <a:rPr lang="fr-FR" smtClean="0"/>
-              <a:t>24/05/2024</a:t>
+              <a:t>28/05/2024</a:t>
             </a:fld>
             <a:endParaRPr lang="fr-FR"/>
           </a:p>
@@ -1516,7 +1516,7 @@
           <a:p>
             <a:fld id="{CF7E9C1A-9F4A-4D57-BAB5-D14A8F127F4D}" type="datetimeFigureOut">
               <a:rPr lang="fr-FR" smtClean="0"/>
-              <a:t>24/05/2024</a:t>
+              <a:t>28/05/2024</a:t>
             </a:fld>
             <a:endParaRPr lang="fr-FR"/>
           </a:p>
@@ -1928,7 +1928,7 @@
           <a:p>
             <a:fld id="{CF7E9C1A-9F4A-4D57-BAB5-D14A8F127F4D}" type="datetimeFigureOut">
               <a:rPr lang="fr-FR" smtClean="0"/>
-              <a:t>24/05/2024</a:t>
+              <a:t>28/05/2024</a:t>
             </a:fld>
             <a:endParaRPr lang="fr-FR"/>
           </a:p>
@@ -2069,7 +2069,7 @@
           <a:p>
             <a:fld id="{CF7E9C1A-9F4A-4D57-BAB5-D14A8F127F4D}" type="datetimeFigureOut">
               <a:rPr lang="fr-FR" smtClean="0"/>
-              <a:t>24/05/2024</a:t>
+              <a:t>28/05/2024</a:t>
             </a:fld>
             <a:endParaRPr lang="fr-FR"/>
           </a:p>
@@ -2182,7 +2182,7 @@
           <a:p>
             <a:fld id="{CF7E9C1A-9F4A-4D57-BAB5-D14A8F127F4D}" type="datetimeFigureOut">
               <a:rPr lang="fr-FR" smtClean="0"/>
-              <a:t>24/05/2024</a:t>
+              <a:t>28/05/2024</a:t>
             </a:fld>
             <a:endParaRPr lang="fr-FR"/>
           </a:p>
@@ -2493,7 +2493,7 @@
           <a:p>
             <a:fld id="{CF7E9C1A-9F4A-4D57-BAB5-D14A8F127F4D}" type="datetimeFigureOut">
               <a:rPr lang="fr-FR" smtClean="0"/>
-              <a:t>24/05/2024</a:t>
+              <a:t>28/05/2024</a:t>
             </a:fld>
             <a:endParaRPr lang="fr-FR"/>
           </a:p>
@@ -2781,7 +2781,7 @@
           <a:p>
             <a:fld id="{CF7E9C1A-9F4A-4D57-BAB5-D14A8F127F4D}" type="datetimeFigureOut">
               <a:rPr lang="fr-FR" smtClean="0"/>
-              <a:t>24/05/2024</a:t>
+              <a:t>28/05/2024</a:t>
             </a:fld>
             <a:endParaRPr lang="fr-FR"/>
           </a:p>
@@ -3022,7 +3022,7 @@
           <a:p>
             <a:fld id="{CF7E9C1A-9F4A-4D57-BAB5-D14A8F127F4D}" type="datetimeFigureOut">
               <a:rPr lang="fr-FR" smtClean="0"/>
-              <a:t>24/05/2024</a:t>
+              <a:t>28/05/2024</a:t>
             </a:fld>
             <a:endParaRPr lang="fr-FR"/>
           </a:p>
@@ -4006,8 +4006,8 @@
         </p:nvSpPr>
         <p:spPr>
           <a:xfrm>
-            <a:off x="3660072" y="4229255"/>
-            <a:ext cx="5488994" cy="2308324"/>
+            <a:off x="3215625" y="4163623"/>
+            <a:ext cx="6066076" cy="2585323"/>
           </a:xfrm>
           <a:prstGeom prst="rect">
             <a:avLst/>
@@ -4026,7 +4026,15 @@
             </a:pPr>
             <a:r>
               <a:rPr lang="fr-FR" dirty="0"/>
-              <a:t>Allez sur la page de collecte des données verticales.</a:t>
+              <a:t>Allez sur la page de collecte des données verticales avec le bouton se nommant</a:t>
+            </a:r>
+            <a:r>
+              <a:rPr lang="fr-FR" b="1" i="1" dirty="0"/>
+              <a:t> Vertical </a:t>
+            </a:r>
+            <a:r>
+              <a:rPr lang="fr-FR" dirty="0"/>
+              <a:t>sur la home page .</a:t>
             </a:r>
           </a:p>
           <a:p>
@@ -4036,7 +4044,7 @@
             </a:pPr>
             <a:r>
               <a:rPr lang="fr-FR" dirty="0"/>
-              <a:t>Sélectionnez l'activité que vous allez effectuer et démarrez l'enregistrement.</a:t>
+              <a:t>Sélectionnez l'activité que vous allez effectuer et démarrez l'enregistrement (bouton rouge).</a:t>
             </a:r>
           </a:p>
           <a:p>
@@ -4056,19 +4064,27 @@
             </a:pPr>
             <a:r>
               <a:rPr lang="fr-FR" dirty="0"/>
-              <a:t>Arrêtez l'enregistrement et envoyez-nous vos </a:t>
+              <a:t>Arrêtez l'enregistrement et envoyez à nos serveurs vos données grâce au bouton </a:t>
+            </a:r>
+            <a:r>
+              <a:rPr lang="fr-FR" b="1" i="1" dirty="0" err="1"/>
+              <a:t>Send</a:t>
+            </a:r>
+            <a:r>
+              <a:rPr lang="fr-FR" b="1" i="1" dirty="0"/>
+              <a:t> Files </a:t>
+            </a:r>
+            <a:r>
+              <a:rPr lang="fr-FR" dirty="0"/>
+              <a:t>qui se trouve sur la </a:t>
             </a:r>
             <a:r>
               <a:rPr lang="fr-FR" dirty="0" err="1"/>
-              <a:t>données.</a:t>
-            </a:r>
-            <a:r>
-              <a:rPr lang="fr-FR" dirty="0" err="1">
-                <a:solidFill>
-                  <a:srgbClr val="FF0000"/>
-                </a:solidFill>
-              </a:rPr>
-              <a:t>Merci</a:t>
+              <a:t>HomePage</a:t>
+            </a:r>
+            <a:r>
+              <a:rPr lang="fr-FR" dirty="0"/>
+              <a:t> .           </a:t>
             </a:r>
             <a:r>
               <a:rPr lang="fr-FR" dirty="0">
@@ -4076,7 +4092,7 @@
                   <a:srgbClr val="FF0000"/>
                 </a:solidFill>
               </a:rPr>
-              <a:t> de votre contribution</a:t>
+              <a:t>Merci de votre contribution</a:t>
             </a:r>
           </a:p>
         </p:txBody>
@@ -5243,10 +5259,16 @@
             </a:pPr>
             <a:r>
               <a:rPr lang="en-US" dirty="0"/>
-              <a:t>Stop recording and send us your data.</a:t>
-            </a:r>
-          </a:p>
-          <a:p>
+              <a:t>Stop recording and send to our server your data thank to the button </a:t>
+            </a:r>
+            <a:r>
+              <a:rPr lang="en-US" b="1" i="1" dirty="0"/>
+              <a:t>Send Files </a:t>
+            </a:r>
+            <a:r>
+              <a:rPr lang="en-US" dirty="0"/>
+              <a:t>in the home page.</a:t>
+            </a:r>
             <a:endParaRPr lang="en-US" dirty="0">
               <a:solidFill>
                 <a:srgbClr val="FF0000"/>
